--- a/Docs/Bringup/tinyNX33U SoM and baseboard Documentation.pptx
+++ b/Docs/Bringup/tinyNX33U SoM and baseboard Documentation.pptx
@@ -211,7 +211,7 @@
           <a:p>
             <a:fld id="{2B2CE1C1-8A52-44BC-879E-439B9B210CB6}" type="datetimeFigureOut">
               <a:rPr lang="en-US" smtClean="0"/>
-              <a:t>8/7/2023</a:t>
+              <a:t>11/22/2023</a:t>
             </a:fld>
             <a:endParaRPr lang="en-US"/>
           </a:p>
@@ -691,7 +691,7 @@
           <a:p>
             <a:fld id="{E4A77656-4E65-4807-981C-8A59D3CAE291}" type="datetime4">
               <a:rPr lang="en-US" smtClean="0"/>
-              <a:t>August 7, 2023</a:t>
+              <a:t>November 22, 2023</a:t>
             </a:fld>
             <a:endParaRPr lang="en-US"/>
           </a:p>
@@ -862,7 +862,7 @@
           <a:p>
             <a:fld id="{722C4191-4A36-428A-B6C8-97201098F623}" type="datetime4">
               <a:rPr lang="en-US" smtClean="0"/>
-              <a:t>August 7, 2023</a:t>
+              <a:t>November 22, 2023</a:t>
             </a:fld>
             <a:endParaRPr lang="en-US"/>
           </a:p>
@@ -1043,7 +1043,7 @@
           <a:p>
             <a:fld id="{85BF6CE9-8205-465C-A902-63318718BA5C}" type="datetime4">
               <a:rPr lang="en-US" smtClean="0"/>
-              <a:t>August 7, 2023</a:t>
+              <a:t>November 22, 2023</a:t>
             </a:fld>
             <a:endParaRPr lang="en-US"/>
           </a:p>
@@ -1214,7 +1214,7 @@
           <a:p>
             <a:fld id="{62473265-0603-43AF-AB34-A2393C535C53}" type="datetime4">
               <a:rPr lang="en-US" smtClean="0"/>
-              <a:t>August 7, 2023</a:t>
+              <a:t>November 22, 2023</a:t>
             </a:fld>
             <a:endParaRPr lang="en-US"/>
           </a:p>
@@ -1462,7 +1462,7 @@
           <a:p>
             <a:fld id="{E391FBB8-4620-47C1-89ED-EED3D8F18BAD}" type="datetime4">
               <a:rPr lang="en-US" smtClean="0"/>
-              <a:t>August 7, 2023</a:t>
+              <a:t>November 22, 2023</a:t>
             </a:fld>
             <a:endParaRPr lang="en-US"/>
           </a:p>
@@ -1694,7 +1694,7 @@
           <a:p>
             <a:fld id="{51A90DE2-F66F-405C-AED8-28F32BA3B8B5}" type="datetime4">
               <a:rPr lang="en-US" smtClean="0"/>
-              <a:t>August 7, 2023</a:t>
+              <a:t>November 22, 2023</a:t>
             </a:fld>
             <a:endParaRPr lang="en-US"/>
           </a:p>
@@ -2061,7 +2061,7 @@
           <a:p>
             <a:fld id="{EFAB41A2-0B2A-4DB4-A8BA-925B5C733804}" type="datetime4">
               <a:rPr lang="en-US" smtClean="0"/>
-              <a:t>August 7, 2023</a:t>
+              <a:t>November 22, 2023</a:t>
             </a:fld>
             <a:endParaRPr lang="en-US"/>
           </a:p>
@@ -2181,7 +2181,7 @@
           <a:p>
             <a:fld id="{9A6E6357-2513-49C7-A5AB-5508196EE9A7}" type="datetime4">
               <a:rPr lang="en-US" smtClean="0"/>
-              <a:t>August 7, 2023</a:t>
+              <a:t>November 22, 2023</a:t>
             </a:fld>
             <a:endParaRPr lang="en-US"/>
           </a:p>
@@ -2279,7 +2279,7 @@
           <a:p>
             <a:fld id="{9CF43D10-B10A-4B12-975E-8FE3BE018820}" type="datetime4">
               <a:rPr lang="en-US" smtClean="0"/>
-              <a:t>August 7, 2023</a:t>
+              <a:t>November 22, 2023</a:t>
             </a:fld>
             <a:endParaRPr lang="en-US"/>
           </a:p>
@@ -2557,7 +2557,7 @@
           <a:p>
             <a:fld id="{348E823A-9B31-4E33-B384-6DDCEAB90C01}" type="datetime4">
               <a:rPr lang="en-US" smtClean="0"/>
-              <a:t>August 7, 2023</a:t>
+              <a:t>November 22, 2023</a:t>
             </a:fld>
             <a:endParaRPr lang="en-US"/>
           </a:p>
@@ -2815,7 +2815,7 @@
           <a:p>
             <a:fld id="{C9B9793F-A20E-4AA3-B207-BF317A5D2887}" type="datetime4">
               <a:rPr lang="en-US" smtClean="0"/>
-              <a:t>August 7, 2023</a:t>
+              <a:t>November 22, 2023</a:t>
             </a:fld>
             <a:endParaRPr lang="en-US"/>
           </a:p>
@@ -3035,7 +3035,7 @@
           <a:p>
             <a:fld id="{7F4E8AA6-B24E-4A79-8882-7CE70DC4FC07}" type="datetime4">
               <a:rPr lang="en-US" smtClean="0"/>
-              <a:t>August 7, 2023</a:t>
+              <a:t>November 22, 2023</a:t>
             </a:fld>
             <a:endParaRPr lang="en-US"/>
           </a:p>
@@ -3556,9 +3556,10 @@
           <a:p>
             <a:pPr algn="ctr"/>
             <a:r>
-              <a:rPr lang="en-US" sz="3200" dirty="0"/>
-              <a:t>tinyNX33U Module:</a:t>
-            </a:r>
+              <a:rPr lang="en-US" sz="3200"/>
+              <a:t>tinyNX33U Module v1:</a:t>
+            </a:r>
+            <a:endParaRPr lang="en-US" sz="3200" dirty="0"/>
           </a:p>
           <a:p>
             <a:pPr algn="ctr"/>
@@ -3980,7 +3981,7 @@
           <a:p>
             <a:fld id="{62473265-0603-43AF-AB34-A2393C535C53}" type="datetime4">
               <a:rPr lang="en-US" smtClean="0"/>
-              <a:t>August 7, 2023</a:t>
+              <a:t>November 22, 2023</a:t>
             </a:fld>
             <a:endParaRPr lang="en-US"/>
           </a:p>
@@ -4454,7 +4455,7 @@
           <a:p>
             <a:fld id="{62473265-0603-43AF-AB34-A2393C535C53}" type="datetime4">
               <a:rPr lang="en-US" smtClean="0"/>
-              <a:t>August 7, 2023</a:t>
+              <a:t>November 22, 2023</a:t>
             </a:fld>
             <a:endParaRPr lang="en-US"/>
           </a:p>
@@ -4688,7 +4689,7 @@
           <a:p>
             <a:fld id="{62473265-0603-43AF-AB34-A2393C535C53}" type="datetime4">
               <a:rPr lang="en-US" smtClean="0"/>
-              <a:t>August 7, 2023</a:t>
+              <a:t>November 22, 2023</a:t>
             </a:fld>
             <a:endParaRPr lang="en-US"/>
           </a:p>
@@ -6392,21 +6393,6 @@
 </file>
 
 <file path=customXml/item1.xml><?xml version="1.0" encoding="utf-8"?>
-<p:properties xmlns:p="http://schemas.microsoft.com/office/2006/metadata/properties" xmlns:xsi="http://www.w3.org/2001/XMLSchema-instance" xmlns:pc="http://schemas.microsoft.com/office/infopath/2007/PartnerControls">
-  <documentManagement/>
-</p:properties>
-</file>
-
-<file path=customXml/item2.xml><?xml version="1.0" encoding="utf-8"?>
-<?mso-contentType ?>
-<FormTemplates xmlns="http://schemas.microsoft.com/sharepoint/v3/contenttype/forms">
-  <Display>DocumentLibraryForm</Display>
-  <Edit>DocumentLibraryForm</Edit>
-  <New>DocumentLibraryForm</New>
-</FormTemplates>
-</file>
-
-<file path=customXml/item3.xml><?xml version="1.0" encoding="utf-8"?>
 <ct:contentTypeSchema xmlns:ct="http://schemas.microsoft.com/office/2006/metadata/contentType" xmlns:ma="http://schemas.microsoft.com/office/2006/metadata/properties/metaAttributes" ct:_="" ma:_="" ma:contentTypeName="Document" ma:contentTypeID="0x0101009FDC568F03DBBD49A71CE301EBCCFBF4" ma:contentTypeVersion="10" ma:contentTypeDescription="Create a new document." ma:contentTypeScope="" ma:versionID="7cda091e0e02c4399b0ed90d93509a04">
   <xsd:schema xmlns:xsd="http://www.w3.org/2001/XMLSchema" xmlns:xs="http://www.w3.org/2001/XMLSchema" xmlns:p="http://schemas.microsoft.com/office/2006/metadata/properties" xmlns:ns2="9a982579-aa19-49e9-8858-3fd43ce52196" targetNamespace="http://schemas.microsoft.com/office/2006/metadata/properties" ma:root="true" ma:fieldsID="0b28888f42d59b5b66acd0d9a54527eb" ns2:_="">
     <xsd:import namespace="9a982579-aa19-49e9-8858-3fd43ce52196"/>
@@ -6590,31 +6576,22 @@
 </ct:contentTypeSchema>
 </file>
 
-<file path=customXml/itemProps1.xml><?xml version="1.0" encoding="utf-8"?>
-<ds:datastoreItem xmlns:ds="http://schemas.openxmlformats.org/officeDocument/2006/customXml" ds:itemID="{A4AD6E70-BED1-45EA-83B1-796A1241D816}">
-  <ds:schemaRefs>
-    <ds:schemaRef ds:uri="http://purl.org/dc/terms/"/>
-    <ds:schemaRef ds:uri="http://www.w3.org/XML/1998/namespace"/>
-    <ds:schemaRef ds:uri="http://schemas.microsoft.com/office/2006/metadata/properties"/>
-    <ds:schemaRef ds:uri="http://schemas.microsoft.com/office/infopath/2007/PartnerControls"/>
-    <ds:schemaRef ds:uri="http://purl.org/dc/elements/1.1/"/>
-    <ds:schemaRef ds:uri="http://schemas.microsoft.com/office/2006/documentManagement/types"/>
-    <ds:schemaRef ds:uri="http://schemas.openxmlformats.org/package/2006/metadata/core-properties"/>
-    <ds:schemaRef ds:uri="9a982579-aa19-49e9-8858-3fd43ce52196"/>
-    <ds:schemaRef ds:uri="http://purl.org/dc/dcmitype/"/>
-  </ds:schemaRefs>
-</ds:datastoreItem>
+<file path=customXml/item2.xml><?xml version="1.0" encoding="utf-8"?>
+<?mso-contentType ?>
+<FormTemplates xmlns="http://schemas.microsoft.com/sharepoint/v3/contenttype/forms">
+  <Display>DocumentLibraryForm</Display>
+  <Edit>DocumentLibraryForm</Edit>
+  <New>DocumentLibraryForm</New>
+</FormTemplates>
 </file>
 
-<file path=customXml/itemProps2.xml><?xml version="1.0" encoding="utf-8"?>
-<ds:datastoreItem xmlns:ds="http://schemas.openxmlformats.org/officeDocument/2006/customXml" ds:itemID="{99F7E882-2021-4BA0-87F1-4CC2BC40C93D}">
-  <ds:schemaRefs>
-    <ds:schemaRef ds:uri="http://schemas.microsoft.com/sharepoint/v3/contenttype/forms"/>
-  </ds:schemaRefs>
-</ds:datastoreItem>
+<file path=customXml/item3.xml><?xml version="1.0" encoding="utf-8"?>
+<p:properties xmlns:p="http://schemas.microsoft.com/office/2006/metadata/properties" xmlns:xsi="http://www.w3.org/2001/XMLSchema-instance" xmlns:pc="http://schemas.microsoft.com/office/infopath/2007/PartnerControls">
+  <documentManagement/>
+</p:properties>
 </file>
 
-<file path=customXml/itemProps3.xml><?xml version="1.0" encoding="utf-8"?>
+<file path=customXml/itemProps1.xml><?xml version="1.0" encoding="utf-8"?>
 <ds:datastoreItem xmlns:ds="http://schemas.openxmlformats.org/officeDocument/2006/customXml" ds:itemID="{06247E5E-E1A0-4162-B188-B5B2BF20CA50}">
   <ds:schemaRefs>
     <ds:schemaRef ds:uri="http://schemas.microsoft.com/office/2006/metadata/contentType"/>
@@ -6630,4 +6607,28 @@
     <ds:schemaRef ds:uri="http://schemas.microsoft.com/internal/obd"/>
   </ds:schemaRefs>
 </ds:datastoreItem>
+</file>
+
+<file path=customXml/itemProps2.xml><?xml version="1.0" encoding="utf-8"?>
+<ds:datastoreItem xmlns:ds="http://schemas.openxmlformats.org/officeDocument/2006/customXml" ds:itemID="{99F7E882-2021-4BA0-87F1-4CC2BC40C93D}">
+  <ds:schemaRefs>
+    <ds:schemaRef ds:uri="http://schemas.microsoft.com/sharepoint/v3/contenttype/forms"/>
+  </ds:schemaRefs>
+</ds:datastoreItem>
+</file>
+
+<file path=customXml/itemProps3.xml><?xml version="1.0" encoding="utf-8"?>
+<ds:datastoreItem xmlns:ds="http://schemas.openxmlformats.org/officeDocument/2006/customXml" ds:itemID="{A4AD6E70-BED1-45EA-83B1-796A1241D816}">
+  <ds:schemaRefs>
+    <ds:schemaRef ds:uri="http://purl.org/dc/terms/"/>
+    <ds:schemaRef ds:uri="http://www.w3.org/XML/1998/namespace"/>
+    <ds:schemaRef ds:uri="http://schemas.microsoft.com/office/2006/metadata/properties"/>
+    <ds:schemaRef ds:uri="http://schemas.microsoft.com/office/infopath/2007/PartnerControls"/>
+    <ds:schemaRef ds:uri="http://purl.org/dc/elements/1.1/"/>
+    <ds:schemaRef ds:uri="http://schemas.microsoft.com/office/2006/documentManagement/types"/>
+    <ds:schemaRef ds:uri="http://schemas.openxmlformats.org/package/2006/metadata/core-properties"/>
+    <ds:schemaRef ds:uri="9a982579-aa19-49e9-8858-3fd43ce52196"/>
+    <ds:schemaRef ds:uri="http://purl.org/dc/dcmitype/"/>
+  </ds:schemaRefs>
+</ds:datastoreItem>
 </file>